--- a/doc/Restitution.pptx
+++ b/doc/Restitution.pptx
@@ -10,6 +10,9 @@
     <p:sldId id="258" r:id="rId4"/>
     <p:sldId id="259" r:id="rId5"/>
     <p:sldId id="260" r:id="rId6"/>
+    <p:sldId id="261" r:id="rId7"/>
+    <p:sldId id="262" r:id="rId8"/>
+    <p:sldId id="263" r:id="rId9"/>
   </p:sldIdLst>
   <p:sldSz cx="12192000" cy="6858000"/>
   <p:notesSz cx="6858000" cy="9144000"/>
@@ -108,6 +111,11 @@
       </a:defRPr>
     </a:lvl9pPr>
   </p:defaultTextStyle>
+  <p:extLst>
+    <p:ext uri="{EFAFB233-063F-42B5-8137-9DF3F51BA10A}">
+      <p15:sldGuideLst xmlns:p15="http://schemas.microsoft.com/office/powerpoint/2012/main"/>
+    </p:ext>
+  </p:extLst>
 </p:presentation>
 </file>
 
@@ -260,7 +268,7 @@
           <a:p>
             <a:fld id="{1F5E1995-1B65-4789-B360-5CC5914FE976}" type="datetimeFigureOut">
               <a:rPr lang="en-US" smtClean="0"/>
-              <a:t>10/30/2025</a:t>
+              <a:t>10/31/2025</a:t>
             </a:fld>
             <a:endParaRPr lang="en-US"/>
           </a:p>
@@ -460,7 +468,7 @@
           <a:p>
             <a:fld id="{1F5E1995-1B65-4789-B360-5CC5914FE976}" type="datetimeFigureOut">
               <a:rPr lang="en-US" smtClean="0"/>
-              <a:t>10/30/2025</a:t>
+              <a:t>10/31/2025</a:t>
             </a:fld>
             <a:endParaRPr lang="en-US"/>
           </a:p>
@@ -670,7 +678,7 @@
           <a:p>
             <a:fld id="{1F5E1995-1B65-4789-B360-5CC5914FE976}" type="datetimeFigureOut">
               <a:rPr lang="en-US" smtClean="0"/>
-              <a:t>10/30/2025</a:t>
+              <a:t>10/31/2025</a:t>
             </a:fld>
             <a:endParaRPr lang="en-US"/>
           </a:p>
@@ -870,7 +878,7 @@
           <a:p>
             <a:fld id="{1F5E1995-1B65-4789-B360-5CC5914FE976}" type="datetimeFigureOut">
               <a:rPr lang="en-US" smtClean="0"/>
-              <a:t>10/30/2025</a:t>
+              <a:t>10/31/2025</a:t>
             </a:fld>
             <a:endParaRPr lang="en-US"/>
           </a:p>
@@ -1146,7 +1154,7 @@
           <a:p>
             <a:fld id="{1F5E1995-1B65-4789-B360-5CC5914FE976}" type="datetimeFigureOut">
               <a:rPr lang="en-US" smtClean="0"/>
-              <a:t>10/30/2025</a:t>
+              <a:t>10/31/2025</a:t>
             </a:fld>
             <a:endParaRPr lang="en-US"/>
           </a:p>
@@ -1414,7 +1422,7 @@
           <a:p>
             <a:fld id="{1F5E1995-1B65-4789-B360-5CC5914FE976}" type="datetimeFigureOut">
               <a:rPr lang="en-US" smtClean="0"/>
-              <a:t>10/30/2025</a:t>
+              <a:t>10/31/2025</a:t>
             </a:fld>
             <a:endParaRPr lang="en-US"/>
           </a:p>
@@ -1829,7 +1837,7 @@
           <a:p>
             <a:fld id="{1F5E1995-1B65-4789-B360-5CC5914FE976}" type="datetimeFigureOut">
               <a:rPr lang="en-US" smtClean="0"/>
-              <a:t>10/30/2025</a:t>
+              <a:t>10/31/2025</a:t>
             </a:fld>
             <a:endParaRPr lang="en-US"/>
           </a:p>
@@ -1971,7 +1979,7 @@
           <a:p>
             <a:fld id="{1F5E1995-1B65-4789-B360-5CC5914FE976}" type="datetimeFigureOut">
               <a:rPr lang="en-US" smtClean="0"/>
-              <a:t>10/30/2025</a:t>
+              <a:t>10/31/2025</a:t>
             </a:fld>
             <a:endParaRPr lang="en-US"/>
           </a:p>
@@ -2084,7 +2092,7 @@
           <a:p>
             <a:fld id="{1F5E1995-1B65-4789-B360-5CC5914FE976}" type="datetimeFigureOut">
               <a:rPr lang="en-US" smtClean="0"/>
-              <a:t>10/30/2025</a:t>
+              <a:t>10/31/2025</a:t>
             </a:fld>
             <a:endParaRPr lang="en-US"/>
           </a:p>
@@ -2397,7 +2405,7 @@
           <a:p>
             <a:fld id="{1F5E1995-1B65-4789-B360-5CC5914FE976}" type="datetimeFigureOut">
               <a:rPr lang="en-US" smtClean="0"/>
-              <a:t>10/30/2025</a:t>
+              <a:t>10/31/2025</a:t>
             </a:fld>
             <a:endParaRPr lang="en-US"/>
           </a:p>
@@ -2686,7 +2694,7 @@
           <a:p>
             <a:fld id="{1F5E1995-1B65-4789-B360-5CC5914FE976}" type="datetimeFigureOut">
               <a:rPr lang="en-US" smtClean="0"/>
-              <a:t>10/30/2025</a:t>
+              <a:t>10/31/2025</a:t>
             </a:fld>
             <a:endParaRPr lang="en-US"/>
           </a:p>
@@ -2929,7 +2937,7 @@
           <a:p>
             <a:fld id="{1F5E1995-1B65-4789-B360-5CC5914FE976}" type="datetimeFigureOut">
               <a:rPr lang="en-US" smtClean="0"/>
-              <a:t>10/30/2025</a:t>
+              <a:t>10/31/2025</a:t>
             </a:fld>
             <a:endParaRPr lang="en-US"/>
           </a:p>
@@ -3332,6 +3340,14 @@
 <file path=ppt/slides/slide1.xml><?xml version="1.0" encoding="utf-8"?>
 <p:sld xmlns:a="http://schemas.openxmlformats.org/drawingml/2006/main" xmlns:r="http://schemas.openxmlformats.org/officeDocument/2006/relationships" xmlns:p="http://schemas.openxmlformats.org/presentationml/2006/main">
   <p:cSld>
+    <p:bg>
+      <p:bgPr>
+        <a:solidFill>
+          <a:schemeClr val="bg1"/>
+        </a:solidFill>
+        <a:effectLst/>
+      </p:bgPr>
+    </p:bg>
     <p:spTree>
       <p:nvGrpSpPr>
         <p:cNvPr id="1" name=""/>
@@ -3346,6 +3362,384 @@
           <a:chExt cx="0" cy="0"/>
         </a:xfrm>
       </p:grpSpPr>
+      <p:sp useBgFill="1">
+        <p:nvSpPr>
+          <p:cNvPr id="24" name="Rectangle 23">
+            <a:extLst>
+              <a:ext uri="{FF2B5EF4-FFF2-40B4-BE49-F238E27FC236}">
+                <a16:creationId xmlns:a16="http://schemas.microsoft.com/office/drawing/2014/main" id="{0E30439A-8A5B-46EC-8283-9B6B031D40D0}"/>
+              </a:ext>
+              <a:ext uri="{C183D7F6-B498-43B3-948B-1728B52AA6E4}">
+                <adec:decorative xmlns:adec="http://schemas.microsoft.com/office/drawing/2017/decorative" val="1"/>
+              </a:ext>
+            </a:extLst>
+          </p:cNvPr>
+          <p:cNvSpPr>
+            <a:spLocks noGrp="1" noRot="1" noChangeAspect="1" noMove="1" noResize="1" noEditPoints="1" noAdjustHandles="1" noChangeArrowheads="1" noChangeShapeType="1" noTextEdit="1"/>
+          </p:cNvSpPr>
+          <p:nvPr>
+            <p:extLst>
+              <p:ext uri="{386F3935-93C4-4BCD-93E2-E3B085C9AB24}">
+                <p16:designElem xmlns:p16="http://schemas.microsoft.com/office/powerpoint/2015/main" val="1"/>
+              </p:ext>
+            </p:extLst>
+          </p:nvPr>
+        </p:nvSpPr>
+        <p:spPr>
+          <a:xfrm>
+            <a:off x="0" y="0"/>
+            <a:ext cx="12192000" cy="6858000"/>
+          </a:xfrm>
+          <a:prstGeom prst="rect">
+            <a:avLst/>
+          </a:prstGeom>
+          <a:ln w="12700" cap="flat" cmpd="sng" algn="ctr">
+            <a:noFill/>
+            <a:prstDash val="solid"/>
+            <a:miter lim="800000"/>
+          </a:ln>
+          <a:effectLst/>
+          <a:extLst>
+            <a:ext uri="{91240B29-F687-4F45-9708-019B960494DF}">
+              <a14:hiddenLine xmlns:a14="http://schemas.microsoft.com/office/drawing/2010/main" w="12700" cap="flat" cmpd="sng" algn="ctr">
+                <a:solidFill>
+                  <a:schemeClr val="accent1">
+                    <a:shade val="50000"/>
+                  </a:schemeClr>
+                </a:solidFill>
+                <a:prstDash val="solid"/>
+                <a:miter lim="800000"/>
+              </a14:hiddenLine>
+            </a:ext>
+          </a:extLst>
+        </p:spPr>
+        <p:style>
+          <a:lnRef idx="2">
+            <a:schemeClr val="accent1">
+              <a:shade val="50000"/>
+            </a:schemeClr>
+          </a:lnRef>
+          <a:fillRef idx="1">
+            <a:schemeClr val="accent1"/>
+          </a:fillRef>
+          <a:effectRef idx="0">
+            <a:schemeClr val="accent1"/>
+          </a:effectRef>
+          <a:fontRef idx="minor">
+            <a:schemeClr val="lt1"/>
+          </a:fontRef>
+        </p:style>
+        <p:txBody>
+          <a:bodyPr rtlCol="0" anchor="ctr"/>
+          <a:lstStyle/>
+          <a:p>
+            <a:pPr algn="ctr"/>
+            <a:endParaRPr lang="en-US"/>
+          </a:p>
+        </p:txBody>
+      </p:sp>
+      <p:sp>
+        <p:nvSpPr>
+          <p:cNvPr id="25" name="Rectangle 24">
+            <a:extLst>
+              <a:ext uri="{FF2B5EF4-FFF2-40B4-BE49-F238E27FC236}">
+                <a16:creationId xmlns:a16="http://schemas.microsoft.com/office/drawing/2014/main" id="{5CEAD642-85CF-4750-8432-7C80C901F001}"/>
+              </a:ext>
+              <a:ext uri="{C183D7F6-B498-43B3-948B-1728B52AA6E4}">
+                <adec:decorative xmlns:adec="http://schemas.microsoft.com/office/drawing/2017/decorative" val="1"/>
+              </a:ext>
+            </a:extLst>
+          </p:cNvPr>
+          <p:cNvSpPr>
+            <a:spLocks noGrp="1" noRot="1" noChangeAspect="1" noMove="1" noResize="1" noEditPoints="1" noAdjustHandles="1" noChangeArrowheads="1" noChangeShapeType="1" noTextEdit="1"/>
+          </p:cNvSpPr>
+          <p:nvPr>
+            <p:extLst>
+              <p:ext uri="{386F3935-93C4-4BCD-93E2-E3B085C9AB24}">
+                <p16:designElem xmlns:p16="http://schemas.microsoft.com/office/powerpoint/2015/main" val="1"/>
+              </p:ext>
+            </p:extLst>
+          </p:nvPr>
+        </p:nvSpPr>
+        <p:spPr>
+          <a:xfrm>
+            <a:off x="0" y="-427"/>
+            <a:ext cx="12192001" cy="6858000"/>
+          </a:xfrm>
+          <a:prstGeom prst="rect">
+            <a:avLst/>
+          </a:prstGeom>
+          <a:gradFill>
+            <a:gsLst>
+              <a:gs pos="0">
+                <a:srgbClr val="000000"/>
+              </a:gs>
+              <a:gs pos="100000">
+                <a:schemeClr val="accent1">
+                  <a:lumMod val="75000"/>
+                </a:schemeClr>
+              </a:gs>
+            </a:gsLst>
+            <a:lin ang="15000000" scaled="0"/>
+          </a:gradFill>
+          <a:ln>
+            <a:noFill/>
+          </a:ln>
+        </p:spPr>
+        <p:style>
+          <a:lnRef idx="2">
+            <a:schemeClr val="accent1">
+              <a:shade val="50000"/>
+            </a:schemeClr>
+          </a:lnRef>
+          <a:fillRef idx="1">
+            <a:schemeClr val="accent1"/>
+          </a:fillRef>
+          <a:effectRef idx="0">
+            <a:schemeClr val="accent1"/>
+          </a:effectRef>
+          <a:fontRef idx="minor">
+            <a:schemeClr val="lt1"/>
+          </a:fontRef>
+        </p:style>
+        <p:txBody>
+          <a:bodyPr rtlCol="0" anchor="ctr"/>
+          <a:lstStyle/>
+          <a:p>
+            <a:pPr algn="ctr"/>
+            <a:endParaRPr lang="en-US"/>
+          </a:p>
+        </p:txBody>
+      </p:sp>
+      <p:sp>
+        <p:nvSpPr>
+          <p:cNvPr id="26" name="Rectangle 25">
+            <a:extLst>
+              <a:ext uri="{FF2B5EF4-FFF2-40B4-BE49-F238E27FC236}">
+                <a16:creationId xmlns:a16="http://schemas.microsoft.com/office/drawing/2014/main" id="{FA33EEAE-15D5-4119-8C1E-89D943F911EF}"/>
+              </a:ext>
+              <a:ext uri="{C183D7F6-B498-43B3-948B-1728B52AA6E4}">
+                <adec:decorative xmlns:adec="http://schemas.microsoft.com/office/drawing/2017/decorative" val="1"/>
+              </a:ext>
+            </a:extLst>
+          </p:cNvPr>
+          <p:cNvSpPr>
+            <a:spLocks noGrp="1" noRot="1" noChangeAspect="1" noMove="1" noResize="1" noEditPoints="1" noAdjustHandles="1" noChangeArrowheads="1" noChangeShapeType="1" noTextEdit="1"/>
+          </p:cNvSpPr>
+          <p:nvPr>
+            <p:extLst>
+              <p:ext uri="{386F3935-93C4-4BCD-93E2-E3B085C9AB24}">
+                <p16:designElem xmlns:p16="http://schemas.microsoft.com/office/powerpoint/2015/main" val="1"/>
+              </p:ext>
+            </p:extLst>
+          </p:nvPr>
+        </p:nvSpPr>
+        <p:spPr>
+          <a:xfrm rot="10800000" flipH="1">
+            <a:off x="455521" y="-1720"/>
+            <a:ext cx="11750040" cy="6840685"/>
+          </a:xfrm>
+          <a:prstGeom prst="rect">
+            <a:avLst/>
+          </a:prstGeom>
+          <a:gradFill>
+            <a:gsLst>
+              <a:gs pos="21000">
+                <a:schemeClr val="accent1">
+                  <a:lumMod val="50000"/>
+                  <a:alpha val="61000"/>
+                </a:schemeClr>
+              </a:gs>
+              <a:gs pos="100000">
+                <a:schemeClr val="accent1">
+                  <a:alpha val="0"/>
+                </a:schemeClr>
+              </a:gs>
+            </a:gsLst>
+            <a:lin ang="21594000" scaled="0"/>
+          </a:gradFill>
+          <a:ln>
+            <a:noFill/>
+          </a:ln>
+        </p:spPr>
+        <p:style>
+          <a:lnRef idx="2">
+            <a:schemeClr val="accent1">
+              <a:shade val="50000"/>
+            </a:schemeClr>
+          </a:lnRef>
+          <a:fillRef idx="1">
+            <a:schemeClr val="accent1"/>
+          </a:fillRef>
+          <a:effectRef idx="0">
+            <a:schemeClr val="accent1"/>
+          </a:effectRef>
+          <a:fontRef idx="minor">
+            <a:schemeClr val="lt1"/>
+          </a:fontRef>
+        </p:style>
+        <p:txBody>
+          <a:bodyPr rtlCol="0" anchor="ctr"/>
+          <a:lstStyle/>
+          <a:p>
+            <a:pPr algn="ctr"/>
+            <a:endParaRPr lang="en-US"/>
+          </a:p>
+        </p:txBody>
+      </p:sp>
+      <p:sp>
+        <p:nvSpPr>
+          <p:cNvPr id="27" name="Rectangle 26">
+            <a:extLst>
+              <a:ext uri="{FF2B5EF4-FFF2-40B4-BE49-F238E27FC236}">
+                <a16:creationId xmlns:a16="http://schemas.microsoft.com/office/drawing/2014/main" id="{730D8B3B-9B80-4025-B934-26DC7D7CD231}"/>
+              </a:ext>
+              <a:ext uri="{C183D7F6-B498-43B3-948B-1728B52AA6E4}">
+                <adec:decorative xmlns:adec="http://schemas.microsoft.com/office/drawing/2017/decorative" val="1"/>
+              </a:ext>
+            </a:extLst>
+          </p:cNvPr>
+          <p:cNvSpPr>
+            <a:spLocks noGrp="1" noRot="1" noChangeAspect="1" noMove="1" noResize="1" noEditPoints="1" noAdjustHandles="1" noChangeArrowheads="1" noChangeShapeType="1" noTextEdit="1"/>
+          </p:cNvSpPr>
+          <p:nvPr>
+            <p:extLst>
+              <p:ext uri="{386F3935-93C4-4BCD-93E2-E3B085C9AB24}">
+                <p16:designElem xmlns:p16="http://schemas.microsoft.com/office/powerpoint/2015/main" val="1"/>
+              </p:ext>
+            </p:extLst>
+          </p:nvPr>
+        </p:nvSpPr>
+        <p:spPr>
+          <a:xfrm>
+            <a:off x="8606054" y="-1291"/>
+            <a:ext cx="3608179" cy="6858864"/>
+          </a:xfrm>
+          <a:prstGeom prst="rect">
+            <a:avLst/>
+          </a:prstGeom>
+          <a:gradFill>
+            <a:gsLst>
+              <a:gs pos="0">
+                <a:schemeClr val="accent1">
+                  <a:lumMod val="75000"/>
+                  <a:alpha val="0"/>
+                </a:schemeClr>
+              </a:gs>
+              <a:gs pos="99000">
+                <a:srgbClr val="000000">
+                  <a:alpha val="41000"/>
+                </a:srgbClr>
+              </a:gs>
+            </a:gsLst>
+            <a:lin ang="16200000" scaled="0"/>
+          </a:gradFill>
+          <a:ln>
+            <a:noFill/>
+          </a:ln>
+        </p:spPr>
+        <p:style>
+          <a:lnRef idx="2">
+            <a:schemeClr val="accent1">
+              <a:shade val="50000"/>
+            </a:schemeClr>
+          </a:lnRef>
+          <a:fillRef idx="1">
+            <a:schemeClr val="accent1"/>
+          </a:fillRef>
+          <a:effectRef idx="0">
+            <a:schemeClr val="accent1"/>
+          </a:effectRef>
+          <a:fontRef idx="minor">
+            <a:schemeClr val="lt1"/>
+          </a:fontRef>
+        </p:style>
+        <p:txBody>
+          <a:bodyPr rtlCol="0" anchor="ctr"/>
+          <a:lstStyle/>
+          <a:p>
+            <a:pPr algn="ctr"/>
+            <a:endParaRPr lang="en-US"/>
+          </a:p>
+        </p:txBody>
+      </p:sp>
+      <p:sp>
+        <p:nvSpPr>
+          <p:cNvPr id="28" name="Oval 27">
+            <a:extLst>
+              <a:ext uri="{FF2B5EF4-FFF2-40B4-BE49-F238E27FC236}">
+                <a16:creationId xmlns:a16="http://schemas.microsoft.com/office/drawing/2014/main" id="{B5A1B09C-1565-46F8-B70F-621C5EB48A09}"/>
+              </a:ext>
+              <a:ext uri="{C183D7F6-B498-43B3-948B-1728B52AA6E4}">
+                <adec:decorative xmlns:adec="http://schemas.microsoft.com/office/drawing/2017/decorative" val="1"/>
+              </a:ext>
+            </a:extLst>
+          </p:cNvPr>
+          <p:cNvSpPr>
+            <a:spLocks noGrp="1" noRot="1" noChangeAspect="1" noMove="1" noResize="1" noEditPoints="1" noAdjustHandles="1" noChangeArrowheads="1" noChangeShapeType="1" noTextEdit="1"/>
+          </p:cNvSpPr>
+          <p:nvPr>
+            <p:extLst>
+              <p:ext uri="{386F3935-93C4-4BCD-93E2-E3B085C9AB24}">
+                <p16:designElem xmlns:p16="http://schemas.microsoft.com/office/powerpoint/2015/main" val="1"/>
+              </p:ext>
+            </p:extLst>
+          </p:nvPr>
+        </p:nvSpPr>
+        <p:spPr>
+          <a:xfrm rot="15274173">
+            <a:off x="6059728" y="779270"/>
+            <a:ext cx="4967533" cy="4988390"/>
+          </a:xfrm>
+          <a:prstGeom prst="ellipse">
+            <a:avLst/>
+          </a:prstGeom>
+          <a:gradFill>
+            <a:gsLst>
+              <a:gs pos="0">
+                <a:schemeClr val="accent1">
+                  <a:alpha val="24000"/>
+                </a:schemeClr>
+              </a:gs>
+              <a:gs pos="79000">
+                <a:schemeClr val="accent1">
+                  <a:lumMod val="60000"/>
+                  <a:lumOff val="40000"/>
+                  <a:alpha val="0"/>
+                </a:schemeClr>
+              </a:gs>
+            </a:gsLst>
+            <a:lin ang="14400000" scaled="0"/>
+          </a:gradFill>
+          <a:ln>
+            <a:noFill/>
+          </a:ln>
+        </p:spPr>
+        <p:style>
+          <a:lnRef idx="2">
+            <a:schemeClr val="accent1">
+              <a:shade val="50000"/>
+            </a:schemeClr>
+          </a:lnRef>
+          <a:fillRef idx="1">
+            <a:schemeClr val="accent1"/>
+          </a:fillRef>
+          <a:effectRef idx="0">
+            <a:schemeClr val="accent1"/>
+          </a:effectRef>
+          <a:fontRef idx="minor">
+            <a:schemeClr val="lt1"/>
+          </a:fontRef>
+        </p:style>
+        <p:txBody>
+          <a:bodyPr rtlCol="0" anchor="ctr"/>
+          <a:lstStyle/>
+          <a:p>
+            <a:pPr algn="ctr"/>
+            <a:endParaRPr lang="en-US" dirty="0"/>
+          </a:p>
+        </p:txBody>
+      </p:sp>
       <p:sp>
         <p:nvSpPr>
           <p:cNvPr id="2" name="Titre 1">
@@ -3362,45 +3756,249 @@
             <p:ph type="ctrTitle"/>
           </p:nvPr>
         </p:nvSpPr>
-        <p:spPr/>
-        <p:txBody>
-          <a:bodyPr/>
-          <a:lstStyle/>
-          <a:p>
-            <a:r>
-              <a:rPr lang="fr-FR" dirty="0" err="1"/>
+        <p:spPr>
+          <a:xfrm>
+            <a:off x="1386865" y="818984"/>
+            <a:ext cx="6596245" cy="3268520"/>
+          </a:xfrm>
+        </p:spPr>
+        <p:txBody>
+          <a:bodyPr>
+            <a:normAutofit/>
+          </a:bodyPr>
+          <a:lstStyle/>
+          <a:p>
+            <a:pPr algn="r"/>
+            <a:r>
+              <a:rPr lang="fr-FR" sz="4800" dirty="0" err="1">
+                <a:solidFill>
+                  <a:srgbClr val="FFFFFF"/>
+                </a:solidFill>
+              </a:rPr>
               <a:t>Skinbit</a:t>
             </a:r>
-            <a:r>
-              <a:rPr lang="fr-FR" dirty="0"/>
+            <a:endParaRPr lang="en-US" sz="4800" dirty="0">
+              <a:solidFill>
+                <a:srgbClr val="FFFFFF"/>
+              </a:solidFill>
+            </a:endParaRPr>
+          </a:p>
+        </p:txBody>
+      </p:sp>
+      <p:sp>
+        <p:nvSpPr>
+          <p:cNvPr id="29" name="Rectangle 28">
+            <a:extLst>
+              <a:ext uri="{FF2B5EF4-FFF2-40B4-BE49-F238E27FC236}">
+                <a16:creationId xmlns:a16="http://schemas.microsoft.com/office/drawing/2014/main" id="{8C516CC8-80AC-446C-A56E-9F54B7210402}"/>
+              </a:ext>
+              <a:ext uri="{C183D7F6-B498-43B3-948B-1728B52AA6E4}">
+                <adec:decorative xmlns:adec="http://schemas.microsoft.com/office/drawing/2017/decorative" val="1"/>
+              </a:ext>
+            </a:extLst>
+          </p:cNvPr>
+          <p:cNvSpPr>
+            <a:spLocks noGrp="1" noRot="1" noChangeAspect="1" noMove="1" noResize="1" noEditPoints="1" noAdjustHandles="1" noChangeArrowheads="1" noChangeShapeType="1" noTextEdit="1"/>
+          </p:cNvSpPr>
+          <p:nvPr>
+            <p:extLst>
+              <p:ext uri="{386F3935-93C4-4BCD-93E2-E3B085C9AB24}">
+                <p16:designElem xmlns:p16="http://schemas.microsoft.com/office/powerpoint/2015/main" val="1"/>
+              </p:ext>
+            </p:extLst>
+          </p:nvPr>
+        </p:nvSpPr>
+        <p:spPr>
+          <a:xfrm rot="10800000" flipH="1">
+            <a:off x="6314" y="4480038"/>
+            <a:ext cx="12179371" cy="2377962"/>
+          </a:xfrm>
+          <a:prstGeom prst="rect">
+            <a:avLst/>
+          </a:prstGeom>
+          <a:gradFill>
+            <a:gsLst>
+              <a:gs pos="0">
+                <a:schemeClr val="accent1">
+                  <a:lumMod val="75000"/>
+                  <a:alpha val="50000"/>
+                </a:schemeClr>
+              </a:gs>
+              <a:gs pos="99000">
+                <a:srgbClr val="000000">
+                  <a:alpha val="34000"/>
+                </a:srgbClr>
+              </a:gs>
+            </a:gsLst>
+            <a:lin ang="17400000" scaled="0"/>
+          </a:gradFill>
+          <a:ln>
+            <a:noFill/>
+          </a:ln>
+        </p:spPr>
+        <p:style>
+          <a:lnRef idx="2">
+            <a:schemeClr val="accent1">
+              <a:shade val="50000"/>
+            </a:schemeClr>
+          </a:lnRef>
+          <a:fillRef idx="1">
+            <a:schemeClr val="accent1"/>
+          </a:fillRef>
+          <a:effectRef idx="0">
+            <a:schemeClr val="accent1"/>
+          </a:effectRef>
+          <a:fontRef idx="minor">
+            <a:schemeClr val="lt1"/>
+          </a:fontRef>
+        </p:style>
+        <p:txBody>
+          <a:bodyPr rtlCol="0" anchor="ctr"/>
+          <a:lstStyle/>
+          <a:p>
+            <a:pPr algn="ctr"/>
+            <a:endParaRPr lang="en-US"/>
+          </a:p>
+        </p:txBody>
+      </p:sp>
+      <p:sp>
+        <p:nvSpPr>
+          <p:cNvPr id="3" name="Sous-titre 2">
+            <a:extLst>
+              <a:ext uri="{FF2B5EF4-FFF2-40B4-BE49-F238E27FC236}">
+                <a16:creationId xmlns:a16="http://schemas.microsoft.com/office/drawing/2014/main" id="{0BB6A3E1-E3B0-7A42-A454-6DA386F64B93}"/>
+              </a:ext>
+            </a:extLst>
+          </p:cNvPr>
+          <p:cNvSpPr>
+            <a:spLocks noGrp="1"/>
+          </p:cNvSpPr>
+          <p:nvPr>
+            <p:ph type="subTitle" idx="1"/>
+          </p:nvPr>
+        </p:nvSpPr>
+        <p:spPr>
+          <a:xfrm>
+            <a:off x="1931874" y="4797188"/>
+            <a:ext cx="6051236" cy="1241828"/>
+          </a:xfrm>
+        </p:spPr>
+        <p:txBody>
+          <a:bodyPr>
+            <a:normAutofit/>
+          </a:bodyPr>
+          <a:lstStyle/>
+          <a:p>
+            <a:pPr algn="r"/>
+            <a:r>
+              <a:rPr lang="en-US" dirty="0" err="1">
+                <a:solidFill>
+                  <a:srgbClr val="FFFFFF"/>
+                </a:solidFill>
+              </a:rPr>
+              <a:t>AutoFocus</a:t>
+            </a:r>
+            <a:r>
+              <a:rPr lang="en-US" dirty="0">
+                <a:solidFill>
+                  <a:srgbClr val="FFFFFF"/>
+                </a:solidFill>
+              </a:rPr>
               <a:t> &amp; Cedric</a:t>
             </a:r>
-            <a:endParaRPr lang="en-US" dirty="0"/>
-          </a:p>
-        </p:txBody>
-      </p:sp>
-      <p:sp>
-        <p:nvSpPr>
-          <p:cNvPr id="3" name="Sous-titre 2">
-            <a:extLst>
-              <a:ext uri="{FF2B5EF4-FFF2-40B4-BE49-F238E27FC236}">
-                <a16:creationId xmlns:a16="http://schemas.microsoft.com/office/drawing/2014/main" id="{0BB6A3E1-E3B0-7A42-A454-6DA386F64B93}"/>
-              </a:ext>
-            </a:extLst>
-          </p:cNvPr>
-          <p:cNvSpPr>
-            <a:spLocks noGrp="1"/>
-          </p:cNvSpPr>
-          <p:nvPr>
-            <p:ph type="subTitle" idx="1"/>
-          </p:nvPr>
-        </p:nvSpPr>
-        <p:spPr/>
-        <p:txBody>
-          <a:bodyPr/>
-          <a:lstStyle/>
-          <a:p>
-            <a:endParaRPr lang="en-US" dirty="0"/>
+          </a:p>
+          <a:p>
+            <a:pPr algn="r"/>
+            <a:r>
+              <a:rPr lang="en-US" dirty="0">
+                <a:solidFill>
+                  <a:srgbClr val="FFFFFF"/>
+                </a:solidFill>
+                <a:hlinkClick r:id="rId2"/>
+              </a:rPr>
+              <a:t>https://github.com/cedricq/AutoFocus</a:t>
+            </a:r>
+            <a:endParaRPr lang="en-US" dirty="0">
+              <a:solidFill>
+                <a:srgbClr val="FFFFFF"/>
+              </a:solidFill>
+            </a:endParaRPr>
+          </a:p>
+        </p:txBody>
+      </p:sp>
+      <p:sp>
+        <p:nvSpPr>
+          <p:cNvPr id="30" name="Rectangle 29">
+            <a:extLst>
+              <a:ext uri="{FF2B5EF4-FFF2-40B4-BE49-F238E27FC236}">
+                <a16:creationId xmlns:a16="http://schemas.microsoft.com/office/drawing/2014/main" id="{53947E58-F088-49F1-A3D1-DEA690192E84}"/>
+              </a:ext>
+              <a:ext uri="{C183D7F6-B498-43B3-948B-1728B52AA6E4}">
+                <adec:decorative xmlns:adec="http://schemas.microsoft.com/office/drawing/2017/decorative" val="1"/>
+              </a:ext>
+            </a:extLst>
+          </p:cNvPr>
+          <p:cNvSpPr>
+            <a:spLocks noGrp="1" noRot="1" noChangeAspect="1" noMove="1" noResize="1" noEditPoints="1" noAdjustHandles="1" noChangeArrowheads="1" noChangeShapeType="1" noTextEdit="1"/>
+          </p:cNvSpPr>
+          <p:nvPr>
+            <p:extLst>
+              <p:ext uri="{386F3935-93C4-4BCD-93E2-E3B085C9AB24}">
+                <p16:designElem xmlns:p16="http://schemas.microsoft.com/office/powerpoint/2015/main" val="1"/>
+              </p:ext>
+            </p:extLst>
+          </p:nvPr>
+        </p:nvSpPr>
+        <p:spPr>
+          <a:xfrm rot="16200000" flipH="1">
+            <a:off x="6967085" y="1632660"/>
+            <a:ext cx="6857572" cy="3592258"/>
+          </a:xfrm>
+          <a:prstGeom prst="rect">
+            <a:avLst/>
+          </a:prstGeom>
+          <a:gradFill>
+            <a:gsLst>
+              <a:gs pos="0">
+                <a:schemeClr val="accent1">
+                  <a:lumMod val="75000"/>
+                  <a:alpha val="50000"/>
+                </a:schemeClr>
+              </a:gs>
+              <a:gs pos="99000">
+                <a:srgbClr val="000000">
+                  <a:alpha val="0"/>
+                </a:srgbClr>
+              </a:gs>
+            </a:gsLst>
+            <a:lin ang="15600000" scaled="0"/>
+          </a:gradFill>
+          <a:ln>
+            <a:noFill/>
+          </a:ln>
+        </p:spPr>
+        <p:style>
+          <a:lnRef idx="2">
+            <a:schemeClr val="accent1">
+              <a:shade val="50000"/>
+            </a:schemeClr>
+          </a:lnRef>
+          <a:fillRef idx="1">
+            <a:schemeClr val="accent1"/>
+          </a:fillRef>
+          <a:effectRef idx="0">
+            <a:schemeClr val="accent1"/>
+          </a:effectRef>
+          <a:fontRef idx="minor">
+            <a:schemeClr val="lt1"/>
+          </a:fontRef>
+        </p:style>
+        <p:txBody>
+          <a:bodyPr rtlCol="0" anchor="ctr"/>
+          <a:lstStyle/>
+          <a:p>
+            <a:pPr algn="ctr"/>
+            <a:endParaRPr lang="en-US"/>
           </a:p>
         </p:txBody>
       </p:sp>
@@ -3457,7 +4055,23 @@
           <a:p>
             <a:r>
               <a:rPr lang="fr-FR" dirty="0"/>
-              <a:t>Exercice: 1st look</a:t>
+              <a:t>Exercice: 1st </a:t>
+            </a:r>
+            <a:r>
+              <a:rPr lang="fr-FR" dirty="0" err="1"/>
+              <a:t>reading</a:t>
+            </a:r>
+            <a:r>
+              <a:rPr lang="fr-FR" dirty="0"/>
+              <a:t> on </a:t>
+            </a:r>
+            <a:r>
+              <a:rPr lang="fr-FR" dirty="0" err="1"/>
+              <a:t>my</a:t>
+            </a:r>
+            <a:r>
+              <a:rPr lang="fr-FR" dirty="0"/>
+              <a:t> phone</a:t>
             </a:r>
             <a:endParaRPr lang="en-US" dirty="0"/>
           </a:p>
@@ -3524,12 +4138,17 @@
         </p:blipFill>
         <p:spPr>
           <a:xfrm>
-            <a:off x="7275895" y="1319864"/>
-            <a:ext cx="4318535" cy="2429176"/>
+            <a:off x="6794569" y="3636391"/>
+            <a:ext cx="2324010" cy="1307256"/>
           </a:xfrm>
           <a:prstGeom prst="rect">
             <a:avLst/>
           </a:prstGeom>
+          <a:ln>
+            <a:solidFill>
+              <a:schemeClr val="bg1"/>
+            </a:solidFill>
+          </a:ln>
         </p:spPr>
       </p:pic>
       <p:pic>
@@ -3560,12 +4179,17 @@
         </p:blipFill>
         <p:spPr>
           <a:xfrm>
-            <a:off x="7275895" y="4016644"/>
-            <a:ext cx="4318535" cy="2429176"/>
+            <a:off x="6969027" y="3394276"/>
+            <a:ext cx="2324010" cy="1307256"/>
           </a:xfrm>
           <a:prstGeom prst="rect">
             <a:avLst/>
           </a:prstGeom>
+          <a:ln>
+            <a:solidFill>
+              <a:schemeClr val="bg1"/>
+            </a:solidFill>
+          </a:ln>
         </p:spPr>
       </p:pic>
       <p:sp>
@@ -3880,6 +4504,71 @@
           </a:p>
         </p:txBody>
       </p:sp>
+      <p:pic>
+        <p:nvPicPr>
+          <p:cNvPr id="4" name="Picture 3">
+            <a:extLst>
+              <a:ext uri="{FF2B5EF4-FFF2-40B4-BE49-F238E27FC236}">
+                <a16:creationId xmlns:a16="http://schemas.microsoft.com/office/drawing/2014/main" id="{920BB8AB-7372-9A99-A7C1-C4B26E758E2B}"/>
+              </a:ext>
+            </a:extLst>
+          </p:cNvPr>
+          <p:cNvPicPr>
+            <a:picLocks noChangeAspect="1"/>
+          </p:cNvPicPr>
+          <p:nvPr/>
+        </p:nvPicPr>
+        <p:blipFill>
+          <a:blip r:embed="rId4"/>
+          <a:stretch>
+            <a:fillRect/>
+          </a:stretch>
+        </p:blipFill>
+        <p:spPr>
+          <a:xfrm>
+            <a:off x="6851392" y="1697321"/>
+            <a:ext cx="5029902" cy="809738"/>
+          </a:xfrm>
+          <a:prstGeom prst="rect">
+            <a:avLst/>
+          </a:prstGeom>
+        </p:spPr>
+      </p:pic>
+      <p:pic>
+        <p:nvPicPr>
+          <p:cNvPr id="16" name="Picture 15">
+            <a:extLst>
+              <a:ext uri="{FF2B5EF4-FFF2-40B4-BE49-F238E27FC236}">
+                <a16:creationId xmlns:a16="http://schemas.microsoft.com/office/drawing/2014/main" id="{139EE81D-4687-C995-04BA-ABA07EDB8620}"/>
+              </a:ext>
+            </a:extLst>
+          </p:cNvPr>
+          <p:cNvPicPr>
+            <a:picLocks noChangeAspect="1"/>
+          </p:cNvPicPr>
+          <p:nvPr/>
+        </p:nvPicPr>
+        <p:blipFill>
+          <a:blip r:embed="rId5"/>
+          <a:stretch>
+            <a:fillRect/>
+          </a:stretch>
+        </p:blipFill>
+        <p:spPr>
+          <a:xfrm>
+            <a:off x="9481741" y="3032985"/>
+            <a:ext cx="2354732" cy="2334016"/>
+          </a:xfrm>
+          <a:prstGeom prst="rect">
+            <a:avLst/>
+          </a:prstGeom>
+          <a:ln>
+            <a:solidFill>
+              <a:schemeClr val="tx1"/>
+            </a:solidFill>
+          </a:ln>
+        </p:spPr>
+      </p:pic>
       <p:sp>
         <p:nvSpPr>
           <p:cNvPr id="15" name="Bouton d'action : Aide 14">
@@ -3895,8 +4584,8 @@
         </p:nvSpPr>
         <p:spPr>
           <a:xfrm>
-            <a:off x="8881711" y="265652"/>
-            <a:ext cx="969264" cy="859536"/>
+            <a:off x="7369440" y="5779788"/>
+            <a:ext cx="761592" cy="586382"/>
           </a:xfrm>
           <a:prstGeom prst="actionButtonHelp">
             <a:avLst/>
@@ -3927,6 +4616,57 @@
           </a:p>
         </p:txBody>
       </p:sp>
+      <p:sp>
+        <p:nvSpPr>
+          <p:cNvPr id="17" name="TextBox 16">
+            <a:extLst>
+              <a:ext uri="{FF2B5EF4-FFF2-40B4-BE49-F238E27FC236}">
+                <a16:creationId xmlns:a16="http://schemas.microsoft.com/office/drawing/2014/main" id="{CA00EB8F-CC4C-F89D-196F-2F87937C6E0E}"/>
+              </a:ext>
+            </a:extLst>
+          </p:cNvPr>
+          <p:cNvSpPr txBox="1"/>
+          <p:nvPr/>
+        </p:nvSpPr>
+        <p:spPr>
+          <a:xfrm>
+            <a:off x="8188977" y="5892927"/>
+            <a:ext cx="2354732" cy="369332"/>
+          </a:xfrm>
+          <a:prstGeom prst="rect">
+            <a:avLst/>
+          </a:prstGeom>
+          <a:noFill/>
+        </p:spPr>
+        <p:txBody>
+          <a:bodyPr wrap="square" rtlCol="0">
+            <a:spAutoFit/>
+          </a:bodyPr>
+          <a:lstStyle/>
+          <a:p>
+            <a:r>
+              <a:rPr lang="fr-FR" b="1" dirty="0"/>
+              <a:t>=&gt; Ok… I </a:t>
+            </a:r>
+            <a:r>
+              <a:rPr lang="fr-FR" b="1" dirty="0" err="1"/>
+              <a:t>need</a:t>
+            </a:r>
+            <a:r>
+              <a:rPr lang="fr-FR" b="1" dirty="0"/>
+              <a:t> </a:t>
+            </a:r>
+            <a:r>
+              <a:rPr lang="fr-FR" b="1" dirty="0" err="1"/>
+              <a:t>my</a:t>
+            </a:r>
+            <a:r>
+              <a:rPr lang="fr-FR" b="1" dirty="0"/>
+              <a:t> PC</a:t>
+            </a:r>
+          </a:p>
+        </p:txBody>
+      </p:sp>
     </p:spTree>
     <p:extLst>
       <p:ext uri="{BB962C8B-B14F-4D97-AF65-F5344CB8AC3E}">
@@ -3937,6 +4677,292 @@
   <p:clrMapOvr>
     <a:masterClrMapping/>
   </p:clrMapOvr>
+  <p:timing>
+    <p:tnLst>
+      <p:par>
+        <p:cTn id="1" dur="indefinite" restart="never" nodeType="tmRoot">
+          <p:childTnLst>
+            <p:seq concurrent="1" nextAc="seek">
+              <p:cTn id="2" dur="indefinite" nodeType="mainSeq">
+                <p:childTnLst>
+                  <p:par>
+                    <p:cTn id="3" fill="hold">
+                      <p:stCondLst>
+                        <p:cond delay="indefinite"/>
+                      </p:stCondLst>
+                      <p:childTnLst>
+                        <p:par>
+                          <p:cTn id="4" fill="hold">
+                            <p:stCondLst>
+                              <p:cond delay="0"/>
+                            </p:stCondLst>
+                            <p:childTnLst>
+                              <p:par>
+                                <p:cTn id="5" presetID="1" presetClass="entr" presetSubtype="0" fill="hold" nodeType="clickEffect">
+                                  <p:stCondLst>
+                                    <p:cond delay="0"/>
+                                  </p:stCondLst>
+                                  <p:childTnLst>
+                                    <p:set>
+                                      <p:cBhvr>
+                                        <p:cTn id="6" dur="1" fill="hold">
+                                          <p:stCondLst>
+                                            <p:cond delay="0"/>
+                                          </p:stCondLst>
+                                        </p:cTn>
+                                        <p:tgtEl>
+                                          <p:spTgt spid="4"/>
+                                        </p:tgtEl>
+                                        <p:attrNameLst>
+                                          <p:attrName>style.visibility</p:attrName>
+                                        </p:attrNameLst>
+                                      </p:cBhvr>
+                                      <p:to>
+                                        <p:strVal val="visible"/>
+                                      </p:to>
+                                    </p:set>
+                                  </p:childTnLst>
+                                </p:cTn>
+                              </p:par>
+                            </p:childTnLst>
+                          </p:cTn>
+                        </p:par>
+                      </p:childTnLst>
+                    </p:cTn>
+                  </p:par>
+                  <p:par>
+                    <p:cTn id="7" fill="hold">
+                      <p:stCondLst>
+                        <p:cond delay="indefinite"/>
+                      </p:stCondLst>
+                      <p:childTnLst>
+                        <p:par>
+                          <p:cTn id="8" fill="hold">
+                            <p:stCondLst>
+                              <p:cond delay="0"/>
+                            </p:stCondLst>
+                            <p:childTnLst>
+                              <p:par>
+                                <p:cTn id="9" presetID="1" presetClass="entr" presetSubtype="0" fill="hold" nodeType="clickEffect">
+                                  <p:stCondLst>
+                                    <p:cond delay="0"/>
+                                  </p:stCondLst>
+                                  <p:childTnLst>
+                                    <p:set>
+                                      <p:cBhvr>
+                                        <p:cTn id="10" dur="1" fill="hold">
+                                          <p:stCondLst>
+                                            <p:cond delay="0"/>
+                                          </p:stCondLst>
+                                        </p:cTn>
+                                        <p:tgtEl>
+                                          <p:spTgt spid="7"/>
+                                        </p:tgtEl>
+                                        <p:attrNameLst>
+                                          <p:attrName>style.visibility</p:attrName>
+                                        </p:attrNameLst>
+                                      </p:cBhvr>
+                                      <p:to>
+                                        <p:strVal val="visible"/>
+                                      </p:to>
+                                    </p:set>
+                                  </p:childTnLst>
+                                </p:cTn>
+                              </p:par>
+                            </p:childTnLst>
+                          </p:cTn>
+                        </p:par>
+                      </p:childTnLst>
+                    </p:cTn>
+                  </p:par>
+                  <p:par>
+                    <p:cTn id="11" fill="hold">
+                      <p:stCondLst>
+                        <p:cond delay="indefinite"/>
+                      </p:stCondLst>
+                      <p:childTnLst>
+                        <p:par>
+                          <p:cTn id="12" fill="hold">
+                            <p:stCondLst>
+                              <p:cond delay="0"/>
+                            </p:stCondLst>
+                            <p:childTnLst>
+                              <p:par>
+                                <p:cTn id="13" presetID="1" presetClass="entr" presetSubtype="0" fill="hold" nodeType="clickEffect">
+                                  <p:stCondLst>
+                                    <p:cond delay="0"/>
+                                  </p:stCondLst>
+                                  <p:childTnLst>
+                                    <p:set>
+                                      <p:cBhvr>
+                                        <p:cTn id="14" dur="1" fill="hold">
+                                          <p:stCondLst>
+                                            <p:cond delay="0"/>
+                                          </p:stCondLst>
+                                        </p:cTn>
+                                        <p:tgtEl>
+                                          <p:spTgt spid="8"/>
+                                        </p:tgtEl>
+                                        <p:attrNameLst>
+                                          <p:attrName>style.visibility</p:attrName>
+                                        </p:attrNameLst>
+                                      </p:cBhvr>
+                                      <p:to>
+                                        <p:strVal val="visible"/>
+                                      </p:to>
+                                    </p:set>
+                                  </p:childTnLst>
+                                </p:cTn>
+                              </p:par>
+                            </p:childTnLst>
+                          </p:cTn>
+                        </p:par>
+                      </p:childTnLst>
+                    </p:cTn>
+                  </p:par>
+                  <p:par>
+                    <p:cTn id="15" fill="hold">
+                      <p:stCondLst>
+                        <p:cond delay="indefinite"/>
+                      </p:stCondLst>
+                      <p:childTnLst>
+                        <p:par>
+                          <p:cTn id="16" fill="hold">
+                            <p:stCondLst>
+                              <p:cond delay="0"/>
+                            </p:stCondLst>
+                            <p:childTnLst>
+                              <p:par>
+                                <p:cTn id="17" presetID="1" presetClass="entr" presetSubtype="0" fill="hold" nodeType="clickEffect">
+                                  <p:stCondLst>
+                                    <p:cond delay="0"/>
+                                  </p:stCondLst>
+                                  <p:childTnLst>
+                                    <p:set>
+                                      <p:cBhvr>
+                                        <p:cTn id="18" dur="1" fill="hold">
+                                          <p:stCondLst>
+                                            <p:cond delay="0"/>
+                                          </p:stCondLst>
+                                        </p:cTn>
+                                        <p:tgtEl>
+                                          <p:spTgt spid="16"/>
+                                        </p:tgtEl>
+                                        <p:attrNameLst>
+                                          <p:attrName>style.visibility</p:attrName>
+                                        </p:attrNameLst>
+                                      </p:cBhvr>
+                                      <p:to>
+                                        <p:strVal val="visible"/>
+                                      </p:to>
+                                    </p:set>
+                                  </p:childTnLst>
+                                </p:cTn>
+                              </p:par>
+                            </p:childTnLst>
+                          </p:cTn>
+                        </p:par>
+                      </p:childTnLst>
+                    </p:cTn>
+                  </p:par>
+                  <p:par>
+                    <p:cTn id="19" fill="hold">
+                      <p:stCondLst>
+                        <p:cond delay="indefinite"/>
+                      </p:stCondLst>
+                      <p:childTnLst>
+                        <p:par>
+                          <p:cTn id="20" fill="hold">
+                            <p:stCondLst>
+                              <p:cond delay="0"/>
+                            </p:stCondLst>
+                            <p:childTnLst>
+                              <p:par>
+                                <p:cTn id="21" presetID="1" presetClass="entr" presetSubtype="0" fill="hold" grpId="0" nodeType="clickEffect">
+                                  <p:stCondLst>
+                                    <p:cond delay="0"/>
+                                  </p:stCondLst>
+                                  <p:childTnLst>
+                                    <p:set>
+                                      <p:cBhvr>
+                                        <p:cTn id="22" dur="1" fill="hold">
+                                          <p:stCondLst>
+                                            <p:cond delay="0"/>
+                                          </p:stCondLst>
+                                        </p:cTn>
+                                        <p:tgtEl>
+                                          <p:spTgt spid="17"/>
+                                        </p:tgtEl>
+                                        <p:attrNameLst>
+                                          <p:attrName>style.visibility</p:attrName>
+                                        </p:attrNameLst>
+                                      </p:cBhvr>
+                                      <p:to>
+                                        <p:strVal val="visible"/>
+                                      </p:to>
+                                    </p:set>
+                                  </p:childTnLst>
+                                </p:cTn>
+                              </p:par>
+                              <p:par>
+                                <p:cTn id="23" presetID="1" presetClass="entr" presetSubtype="0" fill="hold" grpId="0" nodeType="withEffect">
+                                  <p:stCondLst>
+                                    <p:cond delay="0"/>
+                                  </p:stCondLst>
+                                  <p:childTnLst>
+                                    <p:set>
+                                      <p:cBhvr>
+                                        <p:cTn id="24" dur="1" fill="hold">
+                                          <p:stCondLst>
+                                            <p:cond delay="0"/>
+                                          </p:stCondLst>
+                                        </p:cTn>
+                                        <p:tgtEl>
+                                          <p:spTgt spid="15"/>
+                                        </p:tgtEl>
+                                        <p:attrNameLst>
+                                          <p:attrName>style.visibility</p:attrName>
+                                        </p:attrNameLst>
+                                      </p:cBhvr>
+                                      <p:to>
+                                        <p:strVal val="visible"/>
+                                      </p:to>
+                                    </p:set>
+                                  </p:childTnLst>
+                                </p:cTn>
+                              </p:par>
+                            </p:childTnLst>
+                          </p:cTn>
+                        </p:par>
+                      </p:childTnLst>
+                    </p:cTn>
+                  </p:par>
+                </p:childTnLst>
+              </p:cTn>
+              <p:prevCondLst>
+                <p:cond evt="onPrev" delay="0">
+                  <p:tgtEl>
+                    <p:sldTgt/>
+                  </p:tgtEl>
+                </p:cond>
+              </p:prevCondLst>
+              <p:nextCondLst>
+                <p:cond evt="onNext" delay="0">
+                  <p:tgtEl>
+                    <p:sldTgt/>
+                  </p:tgtEl>
+                </p:cond>
+              </p:nextCondLst>
+            </p:seq>
+          </p:childTnLst>
+        </p:cTn>
+      </p:par>
+    </p:tnLst>
+    <p:bldLst>
+      <p:bldP spid="15" grpId="0" animBg="1"/>
+      <p:bldP spid="17" grpId="0"/>
+    </p:bldLst>
+  </p:timing>
 </p:sld>
 </file>
 
@@ -3980,7 +5006,7 @@
           <a:p>
             <a:r>
               <a:rPr lang="fr-FR" dirty="0"/>
-              <a:t>1st start</a:t>
+              <a:t>Start by components</a:t>
             </a:r>
             <a:endParaRPr lang="en-US" dirty="0"/>
           </a:p>
@@ -4004,13 +5030,13 @@
         </p:nvSpPr>
         <p:spPr>
           <a:xfrm>
-            <a:off x="838200" y="1825625"/>
+            <a:off x="838200" y="1616535"/>
             <a:ext cx="5910072" cy="4351338"/>
           </a:xfrm>
         </p:spPr>
         <p:txBody>
           <a:bodyPr>
-            <a:normAutofit lnSpcReduction="10000"/>
+            <a:normAutofit fontScale="92500" lnSpcReduction="20000"/>
           </a:bodyPr>
           <a:lstStyle/>
           <a:p>
@@ -4046,6 +5072,14 @@
               <a:rPr lang="fr-FR" dirty="0" err="1"/>
               <a:t>github</a:t>
             </a:r>
+            <a:r>
+              <a:rPr lang="fr-FR" dirty="0"/>
+              <a:t>, </a:t>
+            </a:r>
+            <a:r>
+              <a:rPr lang="fr-FR" dirty="0" err="1"/>
+              <a:t>gtest</a:t>
+            </a:r>
             <a:endParaRPr lang="fr-FR" dirty="0"/>
           </a:p>
           <a:p>
@@ -4062,7 +5096,7 @@
             </a:r>
             <a:r>
               <a:rPr lang="fr-FR" dirty="0"/>
-              <a:t> to go TDD, component by component</a:t>
+              <a:t> to go « TDD », component by component</a:t>
             </a:r>
           </a:p>
           <a:p>
@@ -4085,8 +5119,13 @@
             <a:pPr lvl="1"/>
             <a:r>
               <a:rPr lang="fr-FR" dirty="0"/>
-              <a:t>Camera + Focus</a:t>
-            </a:r>
+              <a:t>Camera + Focus </a:t>
+            </a:r>
+            <a:r>
+              <a:rPr lang="fr-FR" dirty="0" err="1"/>
+              <a:t>motor</a:t>
+            </a:r>
+            <a:endParaRPr lang="fr-FR" dirty="0"/>
           </a:p>
           <a:p>
             <a:pPr lvl="1"/>
@@ -4096,6 +5135,19 @@
             <a:r>
               <a:rPr lang="en-US" dirty="0"/>
               <a:t>OpenCV : for matrices computations</a:t>
+            </a:r>
+          </a:p>
+          <a:p>
+            <a:endParaRPr lang="en-US" dirty="0"/>
+          </a:p>
+          <a:p>
+            <a:r>
+              <a:rPr lang="en-US" dirty="0" err="1"/>
+              <a:t>Github</a:t>
+            </a:r>
+            <a:r>
+              <a:rPr lang="en-US" dirty="0"/>
+              <a:t> CI in place with Docker</a:t>
             </a:r>
           </a:p>
         </p:txBody>
@@ -4188,12 +5240,12 @@
           <a:lstStyle/>
           <a:p>
             <a:r>
-              <a:rPr lang="fr-FR" dirty="0"/>
-              <a:t>1st </a:t>
-            </a:r>
-            <a:r>
-              <a:rPr lang="fr-FR" dirty="0" err="1"/>
-              <a:t>integration</a:t>
+              <a:rPr lang="fr-FR" dirty="0" err="1"/>
+              <a:t>Integration</a:t>
+            </a:r>
+            <a:r>
+              <a:rPr lang="fr-FR" dirty="0"/>
+              <a:t> phase</a:t>
             </a:r>
             <a:endParaRPr lang="en-US" dirty="0"/>
           </a:p>
@@ -4217,7 +5269,7 @@
         </p:nvSpPr>
         <p:spPr>
           <a:xfrm>
-            <a:off x="838201" y="1825625"/>
+            <a:off x="464575" y="1750511"/>
             <a:ext cx="4359442" cy="4351338"/>
           </a:xfrm>
         </p:spPr>
@@ -4235,8 +5287,13 @@
             </a:r>
             <a:r>
               <a:rPr lang="fr-FR" dirty="0"/>
-              <a:t> all components</a:t>
-            </a:r>
+              <a:t> all components </a:t>
+            </a:r>
+            <a:r>
+              <a:rPr lang="fr-FR" dirty="0" err="1"/>
+              <a:t>together</a:t>
+            </a:r>
+            <a:endParaRPr lang="fr-FR" dirty="0"/>
           </a:p>
           <a:p>
             <a:r>
@@ -4263,10 +5320,10 @@
       </p:sp>
       <p:pic>
         <p:nvPicPr>
-          <p:cNvPr id="5" name="Image 4">
-            <a:extLst>
-              <a:ext uri="{FF2B5EF4-FFF2-40B4-BE49-F238E27FC236}">
-                <a16:creationId xmlns:a16="http://schemas.microsoft.com/office/drawing/2014/main" id="{240176D9-8A11-65AE-B820-45A7ECF641A9}"/>
+          <p:cNvPr id="6" name="Image 5">
+            <a:extLst>
+              <a:ext uri="{FF2B5EF4-FFF2-40B4-BE49-F238E27FC236}">
+                <a16:creationId xmlns:a16="http://schemas.microsoft.com/office/drawing/2014/main" id="{251D4BED-D3B5-B749-5579-7D2728598A7B}"/>
               </a:ext>
             </a:extLst>
           </p:cNvPr>
@@ -4283,8 +5340,8 @@
         </p:blipFill>
         <p:spPr>
           <a:xfrm>
-            <a:off x="5092483" y="1900738"/>
-            <a:ext cx="6935168" cy="4201111"/>
+            <a:off x="5016016" y="2011388"/>
+            <a:ext cx="6935168" cy="3829584"/>
           </a:xfrm>
           <a:prstGeom prst="rect">
             <a:avLst/>
@@ -4350,7 +5407,7 @@
           <a:p>
             <a:r>
               <a:rPr lang="fr-FR" dirty="0"/>
-              <a:t>1st « weird » outputs</a:t>
+              <a:t>Outputs</a:t>
             </a:r>
             <a:endParaRPr lang="en-US" dirty="0"/>
           </a:p>
@@ -4383,7 +5440,7 @@
             </a:r>
             <a:r>
               <a:rPr lang="fr-FR" dirty="0"/>
-              <a:t> output </a:t>
+              <a:t> output 1st </a:t>
             </a:r>
             <a:r>
               <a:rPr lang="fr-FR" dirty="0" err="1"/>
@@ -4588,6 +5645,1043 @@
     <p:extLst>
       <p:ext uri="{BB962C8B-B14F-4D97-AF65-F5344CB8AC3E}">
         <p14:creationId xmlns:p14="http://schemas.microsoft.com/office/powerpoint/2010/main" val="2849940392"/>
+      </p:ext>
+    </p:extLst>
+  </p:cSld>
+  <p:clrMapOvr>
+    <a:masterClrMapping/>
+  </p:clrMapOvr>
+  <p:timing>
+    <p:tnLst>
+      <p:par>
+        <p:cTn id="1" dur="indefinite" restart="never" nodeType="tmRoot">
+          <p:childTnLst>
+            <p:seq concurrent="1" nextAc="seek">
+              <p:cTn id="2" dur="indefinite" nodeType="mainSeq">
+                <p:childTnLst>
+                  <p:par>
+                    <p:cTn id="3" fill="hold">
+                      <p:stCondLst>
+                        <p:cond delay="indefinite"/>
+                      </p:stCondLst>
+                      <p:childTnLst>
+                        <p:par>
+                          <p:cTn id="4" fill="hold">
+                            <p:stCondLst>
+                              <p:cond delay="0"/>
+                            </p:stCondLst>
+                            <p:childTnLst>
+                              <p:par>
+                                <p:cTn id="5" presetID="1" presetClass="entr" presetSubtype="0" fill="hold" nodeType="clickEffect">
+                                  <p:stCondLst>
+                                    <p:cond delay="0"/>
+                                  </p:stCondLst>
+                                  <p:childTnLst>
+                                    <p:set>
+                                      <p:cBhvr>
+                                        <p:cTn id="6" dur="1" fill="hold">
+                                          <p:stCondLst>
+                                            <p:cond delay="0"/>
+                                          </p:stCondLst>
+                                        </p:cTn>
+                                        <p:tgtEl>
+                                          <p:spTgt spid="9"/>
+                                        </p:tgtEl>
+                                        <p:attrNameLst>
+                                          <p:attrName>style.visibility</p:attrName>
+                                        </p:attrNameLst>
+                                      </p:cBhvr>
+                                      <p:to>
+                                        <p:strVal val="visible"/>
+                                      </p:to>
+                                    </p:set>
+                                  </p:childTnLst>
+                                </p:cTn>
+                              </p:par>
+                              <p:par>
+                                <p:cTn id="7" presetID="1" presetClass="entr" presetSubtype="0" fill="hold" nodeType="withEffect">
+                                  <p:stCondLst>
+                                    <p:cond delay="0"/>
+                                  </p:stCondLst>
+                                  <p:childTnLst>
+                                    <p:set>
+                                      <p:cBhvr>
+                                        <p:cTn id="8" dur="1" fill="hold">
+                                          <p:stCondLst>
+                                            <p:cond delay="0"/>
+                                          </p:stCondLst>
+                                        </p:cTn>
+                                        <p:tgtEl>
+                                          <p:spTgt spid="13"/>
+                                        </p:tgtEl>
+                                        <p:attrNameLst>
+                                          <p:attrName>style.visibility</p:attrName>
+                                        </p:attrNameLst>
+                                      </p:cBhvr>
+                                      <p:to>
+                                        <p:strVal val="visible"/>
+                                      </p:to>
+                                    </p:set>
+                                  </p:childTnLst>
+                                </p:cTn>
+                              </p:par>
+                            </p:childTnLst>
+                          </p:cTn>
+                        </p:par>
+                      </p:childTnLst>
+                    </p:cTn>
+                  </p:par>
+                  <p:par>
+                    <p:cTn id="9" fill="hold">
+                      <p:stCondLst>
+                        <p:cond delay="indefinite"/>
+                      </p:stCondLst>
+                      <p:childTnLst>
+                        <p:par>
+                          <p:cTn id="10" fill="hold">
+                            <p:stCondLst>
+                              <p:cond delay="0"/>
+                            </p:stCondLst>
+                            <p:childTnLst>
+                              <p:par>
+                                <p:cTn id="11" presetID="1" presetClass="entr" presetSubtype="0" fill="hold" nodeType="clickEffect">
+                                  <p:stCondLst>
+                                    <p:cond delay="0"/>
+                                  </p:stCondLst>
+                                  <p:childTnLst>
+                                    <p:set>
+                                      <p:cBhvr>
+                                        <p:cTn id="12" dur="1" fill="hold">
+                                          <p:stCondLst>
+                                            <p:cond delay="0"/>
+                                          </p:stCondLst>
+                                        </p:cTn>
+                                        <p:tgtEl>
+                                          <p:spTgt spid="15"/>
+                                        </p:tgtEl>
+                                        <p:attrNameLst>
+                                          <p:attrName>style.visibility</p:attrName>
+                                        </p:attrNameLst>
+                                      </p:cBhvr>
+                                      <p:to>
+                                        <p:strVal val="visible"/>
+                                      </p:to>
+                                    </p:set>
+                                  </p:childTnLst>
+                                </p:cTn>
+                              </p:par>
+                              <p:par>
+                                <p:cTn id="13" presetID="1" presetClass="entr" presetSubtype="0" fill="hold" nodeType="withEffect">
+                                  <p:stCondLst>
+                                    <p:cond delay="0"/>
+                                  </p:stCondLst>
+                                  <p:childTnLst>
+                                    <p:set>
+                                      <p:cBhvr>
+                                        <p:cTn id="14" dur="1" fill="hold">
+                                          <p:stCondLst>
+                                            <p:cond delay="0"/>
+                                          </p:stCondLst>
+                                        </p:cTn>
+                                        <p:tgtEl>
+                                          <p:spTgt spid="17"/>
+                                        </p:tgtEl>
+                                        <p:attrNameLst>
+                                          <p:attrName>style.visibility</p:attrName>
+                                        </p:attrNameLst>
+                                      </p:cBhvr>
+                                      <p:to>
+                                        <p:strVal val="visible"/>
+                                      </p:to>
+                                    </p:set>
+                                  </p:childTnLst>
+                                </p:cTn>
+                              </p:par>
+                            </p:childTnLst>
+                          </p:cTn>
+                        </p:par>
+                      </p:childTnLst>
+                    </p:cTn>
+                  </p:par>
+                </p:childTnLst>
+              </p:cTn>
+              <p:prevCondLst>
+                <p:cond evt="onPrev" delay="0">
+                  <p:tgtEl>
+                    <p:sldTgt/>
+                  </p:tgtEl>
+                </p:cond>
+              </p:prevCondLst>
+              <p:nextCondLst>
+                <p:cond evt="onNext" delay="0">
+                  <p:tgtEl>
+                    <p:sldTgt/>
+                  </p:tgtEl>
+                </p:cond>
+              </p:nextCondLst>
+            </p:seq>
+          </p:childTnLst>
+        </p:cTn>
+      </p:par>
+    </p:tnLst>
+  </p:timing>
+</p:sld>
+</file>
+
+<file path=ppt/slides/slide6.xml><?xml version="1.0" encoding="utf-8"?>
+<p:sld xmlns:a="http://schemas.openxmlformats.org/drawingml/2006/main" xmlns:r="http://schemas.openxmlformats.org/officeDocument/2006/relationships" xmlns:p="http://schemas.openxmlformats.org/presentationml/2006/main">
+  <p:cSld>
+    <p:spTree>
+      <p:nvGrpSpPr>
+        <p:cNvPr id="1" name="">
+          <a:extLst>
+            <a:ext uri="{FF2B5EF4-FFF2-40B4-BE49-F238E27FC236}">
+              <a16:creationId xmlns:a16="http://schemas.microsoft.com/office/drawing/2014/main" id="{8ADAB480-7E15-F027-DCA6-D2B263C7FD4E}"/>
+            </a:ext>
+          </a:extLst>
+        </p:cNvPr>
+        <p:cNvGrpSpPr/>
+        <p:nvPr/>
+      </p:nvGrpSpPr>
+      <p:grpSpPr>
+        <a:xfrm>
+          <a:off x="0" y="0"/>
+          <a:ext cx="0" cy="0"/>
+          <a:chOff x="0" y="0"/>
+          <a:chExt cx="0" cy="0"/>
+        </a:xfrm>
+      </p:grpSpPr>
+      <p:sp>
+        <p:nvSpPr>
+          <p:cNvPr id="2" name="Titre 1">
+            <a:extLst>
+              <a:ext uri="{FF2B5EF4-FFF2-40B4-BE49-F238E27FC236}">
+                <a16:creationId xmlns:a16="http://schemas.microsoft.com/office/drawing/2014/main" id="{DF9310BE-35CE-7052-858E-A9DD1C1A48E0}"/>
+              </a:ext>
+            </a:extLst>
+          </p:cNvPr>
+          <p:cNvSpPr>
+            <a:spLocks noGrp="1"/>
+          </p:cNvSpPr>
+          <p:nvPr>
+            <p:ph type="title"/>
+          </p:nvPr>
+        </p:nvSpPr>
+        <p:spPr/>
+        <p:txBody>
+          <a:bodyPr/>
+          <a:lstStyle/>
+          <a:p>
+            <a:r>
+              <a:rPr lang="fr-FR" dirty="0"/>
+              <a:t>Extra </a:t>
+            </a:r>
+            <a:r>
+              <a:rPr lang="fr-FR" dirty="0" err="1"/>
+              <a:t>stuff</a:t>
+            </a:r>
+            <a:r>
+              <a:rPr lang="fr-FR" dirty="0"/>
+              <a:t> for fun</a:t>
+            </a:r>
+            <a:endParaRPr lang="en-US" dirty="0"/>
+          </a:p>
+        </p:txBody>
+      </p:sp>
+      <p:sp>
+        <p:nvSpPr>
+          <p:cNvPr id="3" name="Espace réservé du contenu 2">
+            <a:extLst>
+              <a:ext uri="{FF2B5EF4-FFF2-40B4-BE49-F238E27FC236}">
+                <a16:creationId xmlns:a16="http://schemas.microsoft.com/office/drawing/2014/main" id="{E63E78A3-9377-95BE-0BBF-66CD1C05D780}"/>
+              </a:ext>
+            </a:extLst>
+          </p:cNvPr>
+          <p:cNvSpPr>
+            <a:spLocks noGrp="1"/>
+          </p:cNvSpPr>
+          <p:nvPr>
+            <p:ph idx="1"/>
+          </p:nvPr>
+        </p:nvSpPr>
+        <p:spPr/>
+        <p:txBody>
+          <a:bodyPr>
+            <a:normAutofit lnSpcReduction="10000"/>
+          </a:bodyPr>
+          <a:lstStyle/>
+          <a:p>
+            <a:r>
+              <a:rPr lang="fr-FR" dirty="0" err="1"/>
+              <a:t>Modularity</a:t>
+            </a:r>
+            <a:r>
+              <a:rPr lang="fr-FR" dirty="0"/>
+              <a:t>: Composition =&gt; </a:t>
+            </a:r>
+            <a:r>
+              <a:rPr lang="fr-FR" dirty="0" err="1"/>
+              <a:t>CalibData</a:t>
+            </a:r>
+            <a:r>
+              <a:rPr lang="fr-FR" dirty="0"/>
+              <a:t> part of Camera. </a:t>
+            </a:r>
+            <a:r>
+              <a:rPr lang="fr-FR" dirty="0" err="1"/>
+              <a:t>Each</a:t>
+            </a:r>
+            <a:r>
+              <a:rPr lang="fr-FR" dirty="0"/>
+              <a:t> Camera instance </a:t>
+            </a:r>
+            <a:r>
+              <a:rPr lang="fr-FR" dirty="0" err="1"/>
+              <a:t>could</a:t>
+            </a:r>
+            <a:r>
+              <a:rPr lang="fr-FR" dirty="0"/>
+              <a:t> have </a:t>
+            </a:r>
+            <a:r>
+              <a:rPr lang="fr-FR" dirty="0" err="1"/>
+              <a:t>its</a:t>
+            </a:r>
+            <a:r>
+              <a:rPr lang="fr-FR" dirty="0"/>
+              <a:t> </a:t>
+            </a:r>
+            <a:r>
+              <a:rPr lang="fr-FR" dirty="0" err="1"/>
+              <a:t>own</a:t>
+            </a:r>
+            <a:r>
+              <a:rPr lang="fr-FR" dirty="0"/>
+              <a:t> calibration data.</a:t>
+            </a:r>
+          </a:p>
+          <a:p>
+            <a:endParaRPr lang="fr-FR" dirty="0"/>
+          </a:p>
+          <a:p>
+            <a:r>
+              <a:rPr lang="fr-FR" dirty="0" err="1"/>
+              <a:t>Optimization</a:t>
+            </a:r>
+            <a:r>
+              <a:rPr lang="fr-FR" dirty="0"/>
+              <a:t>: </a:t>
+            </a:r>
+            <a:r>
+              <a:rPr lang="fr-FR" dirty="0" err="1"/>
+              <a:t>Within</a:t>
+            </a:r>
+            <a:r>
+              <a:rPr lang="fr-FR" dirty="0"/>
+              <a:t> min/max range, </a:t>
+            </a:r>
+            <a:r>
+              <a:rPr lang="fr-FR" dirty="0" err="1"/>
+              <a:t>take</a:t>
+            </a:r>
+            <a:r>
+              <a:rPr lang="fr-FR" dirty="0"/>
+              <a:t> </a:t>
+            </a:r>
+            <a:r>
+              <a:rPr lang="fr-FR" dirty="0" err="1"/>
+              <a:t>picture</a:t>
+            </a:r>
+            <a:r>
+              <a:rPr lang="fr-FR" dirty="0"/>
+              <a:t> </a:t>
+            </a:r>
+            <a:r>
+              <a:rPr lang="fr-FR" dirty="0" err="1"/>
+              <a:t>only</a:t>
+            </a:r>
+            <a:r>
+              <a:rPr lang="fr-FR" dirty="0"/>
+              <a:t> of the ranges </a:t>
+            </a:r>
+            <a:r>
+              <a:rPr lang="fr-FR" dirty="0" err="1"/>
+              <a:t>there</a:t>
+            </a:r>
+            <a:r>
+              <a:rPr lang="fr-FR" dirty="0"/>
+              <a:t> are points in.</a:t>
+            </a:r>
+          </a:p>
+          <a:p>
+            <a:endParaRPr lang="fr-FR" dirty="0"/>
+          </a:p>
+          <a:p>
+            <a:r>
+              <a:rPr lang="fr-FR" dirty="0"/>
+              <a:t>-- display option to </a:t>
+            </a:r>
+            <a:r>
+              <a:rPr lang="fr-FR" dirty="0" err="1"/>
+              <a:t>visualize</a:t>
+            </a:r>
+            <a:r>
+              <a:rPr lang="fr-FR" dirty="0"/>
+              <a:t> the snapshots to </a:t>
+            </a:r>
+            <a:r>
+              <a:rPr lang="fr-FR" dirty="0" err="1"/>
+              <a:t>make</a:t>
+            </a:r>
+            <a:r>
+              <a:rPr lang="fr-FR" dirty="0"/>
+              <a:t> </a:t>
+            </a:r>
+            <a:r>
+              <a:rPr lang="fr-FR" dirty="0" err="1"/>
+              <a:t>it</a:t>
+            </a:r>
+            <a:r>
+              <a:rPr lang="fr-FR" dirty="0"/>
+              <a:t> </a:t>
+            </a:r>
+            <a:r>
+              <a:rPr lang="fr-FR" dirty="0" err="1"/>
+              <a:t>nicer</a:t>
+            </a:r>
+            <a:r>
+              <a:rPr lang="fr-FR" dirty="0"/>
+              <a:t> at run time.</a:t>
+            </a:r>
+          </a:p>
+          <a:p>
+            <a:endParaRPr lang="fr-FR" dirty="0"/>
+          </a:p>
+          <a:p>
+            <a:r>
+              <a:rPr lang="fr-FR" dirty="0"/>
+              <a:t>CI running on self-</a:t>
+            </a:r>
+            <a:r>
+              <a:rPr lang="fr-FR" dirty="0" err="1"/>
+              <a:t>hosted</a:t>
+            </a:r>
+            <a:r>
+              <a:rPr lang="fr-FR" dirty="0"/>
+              <a:t> VM </a:t>
+            </a:r>
+            <a:r>
+              <a:rPr lang="fr-FR" dirty="0" err="1"/>
+              <a:t>instead</a:t>
+            </a:r>
+            <a:r>
+              <a:rPr lang="fr-FR" dirty="0"/>
+              <a:t> of </a:t>
+            </a:r>
+            <a:r>
+              <a:rPr lang="fr-FR" dirty="0" err="1"/>
+              <a:t>Github</a:t>
+            </a:r>
+            <a:r>
+              <a:rPr lang="fr-FR" dirty="0"/>
+              <a:t> default</a:t>
+            </a:r>
+          </a:p>
+        </p:txBody>
+      </p:sp>
+    </p:spTree>
+    <p:extLst>
+      <p:ext uri="{BB962C8B-B14F-4D97-AF65-F5344CB8AC3E}">
+        <p14:creationId xmlns:p14="http://schemas.microsoft.com/office/powerpoint/2010/main" val="3224585149"/>
+      </p:ext>
+    </p:extLst>
+  </p:cSld>
+  <p:clrMapOvr>
+    <a:masterClrMapping/>
+  </p:clrMapOvr>
+</p:sld>
+</file>
+
+<file path=ppt/slides/slide7.xml><?xml version="1.0" encoding="utf-8"?>
+<p:sld xmlns:a="http://schemas.openxmlformats.org/drawingml/2006/main" xmlns:r="http://schemas.openxmlformats.org/officeDocument/2006/relationships" xmlns:p="http://schemas.openxmlformats.org/presentationml/2006/main">
+  <p:cSld>
+    <p:spTree>
+      <p:nvGrpSpPr>
+        <p:cNvPr id="1" name="">
+          <a:extLst>
+            <a:ext uri="{FF2B5EF4-FFF2-40B4-BE49-F238E27FC236}">
+              <a16:creationId xmlns:a16="http://schemas.microsoft.com/office/drawing/2014/main" id="{072DD2A7-C113-CCA0-1160-1FE173768406}"/>
+            </a:ext>
+          </a:extLst>
+        </p:cNvPr>
+        <p:cNvGrpSpPr/>
+        <p:nvPr/>
+      </p:nvGrpSpPr>
+      <p:grpSpPr>
+        <a:xfrm>
+          <a:off x="0" y="0"/>
+          <a:ext cx="0" cy="0"/>
+          <a:chOff x="0" y="0"/>
+          <a:chExt cx="0" cy="0"/>
+        </a:xfrm>
+      </p:grpSpPr>
+      <p:sp>
+        <p:nvSpPr>
+          <p:cNvPr id="2" name="Titre 1">
+            <a:extLst>
+              <a:ext uri="{FF2B5EF4-FFF2-40B4-BE49-F238E27FC236}">
+                <a16:creationId xmlns:a16="http://schemas.microsoft.com/office/drawing/2014/main" id="{85CF7A40-33FD-68B1-E799-4CD14B406EE4}"/>
+              </a:ext>
+            </a:extLst>
+          </p:cNvPr>
+          <p:cNvSpPr>
+            <a:spLocks noGrp="1"/>
+          </p:cNvSpPr>
+          <p:nvPr>
+            <p:ph type="title"/>
+          </p:nvPr>
+        </p:nvSpPr>
+        <p:spPr/>
+        <p:txBody>
+          <a:bodyPr/>
+          <a:lstStyle/>
+          <a:p>
+            <a:r>
+              <a:rPr lang="fr-FR" dirty="0" err="1"/>
+              <a:t>What</a:t>
+            </a:r>
+            <a:r>
+              <a:rPr lang="fr-FR" dirty="0"/>
+              <a:t> </a:t>
+            </a:r>
+            <a:r>
+              <a:rPr lang="fr-FR" dirty="0" err="1"/>
+              <a:t>could</a:t>
+            </a:r>
+            <a:r>
+              <a:rPr lang="fr-FR" dirty="0"/>
+              <a:t> </a:t>
+            </a:r>
+            <a:r>
+              <a:rPr lang="fr-FR" dirty="0" err="1"/>
+              <a:t>still</a:t>
+            </a:r>
+            <a:r>
+              <a:rPr lang="fr-FR" dirty="0"/>
+              <a:t> </a:t>
+            </a:r>
+            <a:r>
+              <a:rPr lang="fr-FR" dirty="0" err="1"/>
+              <a:t>be</a:t>
+            </a:r>
+            <a:r>
+              <a:rPr lang="fr-FR" dirty="0"/>
+              <a:t> </a:t>
+            </a:r>
+            <a:r>
+              <a:rPr lang="fr-FR" dirty="0" err="1"/>
+              <a:t>done</a:t>
+            </a:r>
+            <a:endParaRPr lang="en-US" dirty="0"/>
+          </a:p>
+        </p:txBody>
+      </p:sp>
+      <p:sp>
+        <p:nvSpPr>
+          <p:cNvPr id="3" name="Espace réservé du contenu 2">
+            <a:extLst>
+              <a:ext uri="{FF2B5EF4-FFF2-40B4-BE49-F238E27FC236}">
+                <a16:creationId xmlns:a16="http://schemas.microsoft.com/office/drawing/2014/main" id="{07704B4A-844D-415B-99AD-EFD9D87958A4}"/>
+              </a:ext>
+            </a:extLst>
+          </p:cNvPr>
+          <p:cNvSpPr>
+            <a:spLocks noGrp="1"/>
+          </p:cNvSpPr>
+          <p:nvPr>
+            <p:ph idx="1"/>
+          </p:nvPr>
+        </p:nvSpPr>
+        <p:spPr>
+          <a:xfrm>
+            <a:off x="838200" y="1412670"/>
+            <a:ext cx="10515600" cy="4988130"/>
+          </a:xfrm>
+        </p:spPr>
+        <p:txBody>
+          <a:bodyPr>
+            <a:normAutofit fontScale="92500" lnSpcReduction="10000"/>
+          </a:bodyPr>
+          <a:lstStyle/>
+          <a:p>
+            <a:r>
+              <a:rPr lang="fr-FR" dirty="0" err="1"/>
+              <a:t>Isolate</a:t>
+            </a:r>
+            <a:r>
+              <a:rPr lang="fr-FR" dirty="0"/>
+              <a:t> components </a:t>
+            </a:r>
+            <a:r>
+              <a:rPr lang="fr-FR" dirty="0" err="1"/>
+              <a:t>cmake</a:t>
+            </a:r>
+            <a:r>
+              <a:rPr lang="fr-FR" dirty="0"/>
+              <a:t> </a:t>
+            </a:r>
+            <a:r>
+              <a:rPr lang="fr-FR" dirty="0" err="1"/>
+              <a:t>wise</a:t>
+            </a:r>
+            <a:r>
+              <a:rPr lang="fr-FR" dirty="0"/>
+              <a:t> to </a:t>
+            </a:r>
+            <a:r>
+              <a:rPr lang="fr-FR" dirty="0" err="1"/>
+              <a:t>make</a:t>
+            </a:r>
+            <a:r>
+              <a:rPr lang="fr-FR" dirty="0"/>
+              <a:t> </a:t>
+            </a:r>
+            <a:r>
+              <a:rPr lang="fr-FR" dirty="0" err="1"/>
+              <a:t>it</a:t>
+            </a:r>
+            <a:r>
+              <a:rPr lang="fr-FR" dirty="0"/>
+              <a:t> more </a:t>
+            </a:r>
+            <a:r>
+              <a:rPr lang="fr-FR" dirty="0" err="1"/>
+              <a:t>modular</a:t>
+            </a:r>
+            <a:r>
+              <a:rPr lang="fr-FR" dirty="0"/>
+              <a:t> &amp; testable.</a:t>
+            </a:r>
+          </a:p>
+          <a:p>
+            <a:endParaRPr lang="fr-FR" dirty="0"/>
+          </a:p>
+          <a:p>
+            <a:r>
+              <a:rPr lang="fr-FR" dirty="0" err="1"/>
+              <a:t>Automatize</a:t>
+            </a:r>
+            <a:r>
+              <a:rPr lang="fr-FR" dirty="0"/>
+              <a:t> the </a:t>
+            </a:r>
+            <a:r>
+              <a:rPr lang="fr-FR" dirty="0" err="1"/>
+              <a:t>Integration</a:t>
+            </a:r>
+            <a:r>
+              <a:rPr lang="fr-FR" dirty="0"/>
+              <a:t> </a:t>
+            </a:r>
+            <a:r>
+              <a:rPr lang="fr-FR" dirty="0" err="1"/>
+              <a:t>testing</a:t>
+            </a:r>
+            <a:r>
+              <a:rPr lang="fr-FR" dirty="0"/>
+              <a:t> : </a:t>
+            </a:r>
+            <a:r>
+              <a:rPr lang="fr-FR" dirty="0" err="1"/>
+              <a:t>mathematical</a:t>
+            </a:r>
+            <a:r>
+              <a:rPr lang="fr-FR" dirty="0"/>
+              <a:t> input </a:t>
+            </a:r>
+            <a:r>
+              <a:rPr lang="fr-FR" dirty="0" err="1"/>
+              <a:t>depth</a:t>
+            </a:r>
+            <a:r>
+              <a:rPr lang="fr-FR" dirty="0"/>
+              <a:t> </a:t>
+            </a:r>
+            <a:r>
+              <a:rPr lang="fr-FR" dirty="0" err="1"/>
+              <a:t>rather</a:t>
+            </a:r>
+            <a:r>
+              <a:rPr lang="fr-FR" dirty="0"/>
+              <a:t> </a:t>
+            </a:r>
+            <a:r>
+              <a:rPr lang="fr-FR" dirty="0" err="1"/>
+              <a:t>than</a:t>
+            </a:r>
+            <a:r>
+              <a:rPr lang="fr-FR" dirty="0"/>
+              <a:t> real </a:t>
+            </a:r>
+            <a:r>
+              <a:rPr lang="fr-FR" dirty="0" err="1"/>
+              <a:t>ones</a:t>
+            </a:r>
+            <a:r>
+              <a:rPr lang="fr-FR" dirty="0"/>
+              <a:t> =&gt; </a:t>
+            </a:r>
+            <a:r>
+              <a:rPr lang="fr-FR" dirty="0" err="1"/>
+              <a:t>Pass</a:t>
+            </a:r>
+            <a:r>
+              <a:rPr lang="fr-FR" dirty="0"/>
+              <a:t>/Fail</a:t>
+            </a:r>
+          </a:p>
+          <a:p>
+            <a:endParaRPr lang="fr-FR" dirty="0"/>
+          </a:p>
+          <a:p>
+            <a:r>
+              <a:rPr lang="fr-FR" dirty="0" err="1"/>
+              <a:t>Create</a:t>
+            </a:r>
+            <a:r>
+              <a:rPr lang="fr-FR" dirty="0"/>
+              <a:t> a </a:t>
+            </a:r>
+            <a:r>
+              <a:rPr lang="fr-FR" dirty="0" err="1"/>
+              <a:t>dedicated</a:t>
+            </a:r>
+            <a:r>
+              <a:rPr lang="fr-FR" dirty="0"/>
+              <a:t> thread to </a:t>
+            </a:r>
+            <a:r>
+              <a:rPr lang="fr-FR" dirty="0" err="1"/>
+              <a:t>simulate</a:t>
+            </a:r>
+            <a:r>
+              <a:rPr lang="fr-FR" dirty="0"/>
+              <a:t> </a:t>
+            </a:r>
+            <a:r>
+              <a:rPr lang="fr-FR" dirty="0" err="1"/>
+              <a:t>better</a:t>
+            </a:r>
+            <a:r>
+              <a:rPr lang="fr-FR" dirty="0"/>
+              <a:t> the control of the camera</a:t>
+            </a:r>
+          </a:p>
+          <a:p>
+            <a:endParaRPr lang="fr-FR" dirty="0"/>
+          </a:p>
+          <a:p>
+            <a:r>
+              <a:rPr lang="fr-FR" dirty="0" err="1"/>
+              <a:t>Add</a:t>
+            </a:r>
+            <a:r>
+              <a:rPr lang="fr-FR" dirty="0"/>
+              <a:t> </a:t>
+            </a:r>
+            <a:r>
+              <a:rPr lang="fr-FR" dirty="0" err="1"/>
+              <a:t>unit_test</a:t>
+            </a:r>
+            <a:r>
+              <a:rPr lang="fr-FR" dirty="0"/>
+              <a:t> </a:t>
+            </a:r>
+            <a:r>
+              <a:rPr lang="fr-FR" dirty="0" err="1"/>
+              <a:t>coverage</a:t>
+            </a:r>
+            <a:r>
+              <a:rPr lang="fr-FR" dirty="0"/>
+              <a:t> </a:t>
+            </a:r>
+            <a:r>
+              <a:rPr lang="fr-FR" dirty="0" err="1"/>
+              <a:t>capability</a:t>
+            </a:r>
+            <a:r>
+              <a:rPr lang="fr-FR" dirty="0"/>
+              <a:t> to CI (</a:t>
+            </a:r>
+            <a:r>
+              <a:rPr lang="fr-FR" dirty="0" err="1"/>
+              <a:t>eg</a:t>
+            </a:r>
+            <a:r>
+              <a:rPr lang="fr-FR" dirty="0"/>
+              <a:t>. </a:t>
+            </a:r>
+            <a:r>
+              <a:rPr lang="fr-FR" dirty="0" err="1"/>
+              <a:t>gcovr</a:t>
+            </a:r>
+            <a:r>
+              <a:rPr lang="fr-FR" dirty="0"/>
+              <a:t>), </a:t>
+            </a:r>
+            <a:r>
+              <a:rPr lang="fr-FR" dirty="0" err="1"/>
+              <a:t>static</a:t>
+            </a:r>
+            <a:r>
+              <a:rPr lang="fr-FR" dirty="0"/>
+              <a:t> code </a:t>
+            </a:r>
+            <a:r>
+              <a:rPr lang="fr-FR" dirty="0" err="1"/>
+              <a:t>analysis</a:t>
+            </a:r>
+            <a:r>
+              <a:rPr lang="fr-FR" dirty="0"/>
+              <a:t> (</a:t>
+            </a:r>
+            <a:r>
+              <a:rPr lang="fr-FR" dirty="0" err="1"/>
+              <a:t>eg</a:t>
+            </a:r>
+            <a:r>
+              <a:rPr lang="fr-FR" dirty="0"/>
+              <a:t>. </a:t>
+            </a:r>
+            <a:r>
+              <a:rPr lang="fr-FR" dirty="0" err="1"/>
+              <a:t>Cppcheck</a:t>
+            </a:r>
+            <a:r>
+              <a:rPr lang="fr-FR" dirty="0"/>
+              <a:t>, …)</a:t>
+            </a:r>
+          </a:p>
+          <a:p>
+            <a:endParaRPr lang="fr-FR" dirty="0"/>
+          </a:p>
+          <a:p>
+            <a:r>
+              <a:rPr lang="fr-FR" dirty="0" err="1"/>
+              <a:t>Deploy</a:t>
+            </a:r>
+            <a:r>
+              <a:rPr lang="fr-FR" dirty="0"/>
+              <a:t>: </a:t>
+            </a:r>
+            <a:r>
+              <a:rPr lang="fr-FR" dirty="0" err="1"/>
+              <a:t>automatize</a:t>
+            </a:r>
+            <a:r>
+              <a:rPr lang="fr-FR" dirty="0"/>
+              <a:t> software release </a:t>
+            </a:r>
+            <a:r>
+              <a:rPr lang="fr-FR" dirty="0" err="1"/>
+              <a:t>deploy</a:t>
+            </a:r>
+            <a:r>
+              <a:rPr lang="fr-FR" dirty="0"/>
+              <a:t> CI/CD, report </a:t>
+            </a:r>
+            <a:r>
+              <a:rPr lang="fr-FR" dirty="0" err="1"/>
+              <a:t>generation</a:t>
+            </a:r>
+            <a:r>
+              <a:rPr lang="fr-FR" dirty="0"/>
+              <a:t>, (</a:t>
+            </a:r>
+            <a:r>
+              <a:rPr lang="fr-FR" dirty="0" err="1"/>
+              <a:t>eg</a:t>
+            </a:r>
+            <a:r>
+              <a:rPr lang="fr-FR" dirty="0"/>
+              <a:t>. Nexus, …) </a:t>
+            </a:r>
+          </a:p>
+        </p:txBody>
+      </p:sp>
+    </p:spTree>
+    <p:extLst>
+      <p:ext uri="{BB962C8B-B14F-4D97-AF65-F5344CB8AC3E}">
+        <p14:creationId xmlns:p14="http://schemas.microsoft.com/office/powerpoint/2010/main" val="2458921007"/>
+      </p:ext>
+    </p:extLst>
+  </p:cSld>
+  <p:clrMapOvr>
+    <a:masterClrMapping/>
+  </p:clrMapOvr>
+</p:sld>
+</file>
+
+<file path=ppt/slides/slide8.xml><?xml version="1.0" encoding="utf-8"?>
+<p:sld xmlns:a="http://schemas.openxmlformats.org/drawingml/2006/main" xmlns:r="http://schemas.openxmlformats.org/officeDocument/2006/relationships" xmlns:p="http://schemas.openxmlformats.org/presentationml/2006/main">
+  <p:cSld>
+    <p:spTree>
+      <p:nvGrpSpPr>
+        <p:cNvPr id="1" name="">
+          <a:extLst>
+            <a:ext uri="{FF2B5EF4-FFF2-40B4-BE49-F238E27FC236}">
+              <a16:creationId xmlns:a16="http://schemas.microsoft.com/office/drawing/2014/main" id="{F9134C9D-9E55-A786-7DE3-371FC630DD01}"/>
+            </a:ext>
+          </a:extLst>
+        </p:cNvPr>
+        <p:cNvGrpSpPr/>
+        <p:nvPr/>
+      </p:nvGrpSpPr>
+      <p:grpSpPr>
+        <a:xfrm>
+          <a:off x="0" y="0"/>
+          <a:ext cx="0" cy="0"/>
+          <a:chOff x="0" y="0"/>
+          <a:chExt cx="0" cy="0"/>
+        </a:xfrm>
+      </p:grpSpPr>
+      <p:sp>
+        <p:nvSpPr>
+          <p:cNvPr id="3" name="Espace réservé du contenu 2">
+            <a:extLst>
+              <a:ext uri="{FF2B5EF4-FFF2-40B4-BE49-F238E27FC236}">
+                <a16:creationId xmlns:a16="http://schemas.microsoft.com/office/drawing/2014/main" id="{B6898A2D-D96B-C167-AADD-484814D97DDD}"/>
+              </a:ext>
+            </a:extLst>
+          </p:cNvPr>
+          <p:cNvSpPr>
+            <a:spLocks noGrp="1"/>
+          </p:cNvSpPr>
+          <p:nvPr>
+            <p:ph idx="1"/>
+          </p:nvPr>
+        </p:nvSpPr>
+        <p:spPr>
+          <a:xfrm>
+            <a:off x="956187" y="620303"/>
+            <a:ext cx="10515600" cy="657891"/>
+          </a:xfrm>
+        </p:spPr>
+        <p:txBody>
+          <a:bodyPr>
+            <a:normAutofit/>
+          </a:bodyPr>
+          <a:lstStyle/>
+          <a:p>
+            <a:pPr marL="0" indent="0" algn="ctr">
+              <a:buNone/>
+            </a:pPr>
+            <a:r>
+              <a:rPr lang="fr-FR" sz="3600" b="1" dirty="0" err="1"/>
+              <a:t>Thanks</a:t>
+            </a:r>
+            <a:r>
+              <a:rPr lang="fr-FR" sz="3600" b="1" dirty="0"/>
+              <a:t> for </a:t>
+            </a:r>
+            <a:r>
+              <a:rPr lang="fr-FR" sz="3600" b="1" dirty="0" err="1"/>
+              <a:t>listening</a:t>
+            </a:r>
+            <a:r>
+              <a:rPr lang="fr-FR" sz="3600" b="1" dirty="0"/>
+              <a:t> !</a:t>
+            </a:r>
+            <a:endParaRPr lang="fr-FR" b="1" dirty="0"/>
+          </a:p>
+        </p:txBody>
+      </p:sp>
+      <p:pic>
+        <p:nvPicPr>
+          <p:cNvPr id="7" name="Image 6" descr="Une image contenant noir et blanc, noir, monochrome, léger&#10;&#10;Le contenu généré par l’IA peut être incorrect.">
+            <a:extLst>
+              <a:ext uri="{FF2B5EF4-FFF2-40B4-BE49-F238E27FC236}">
+                <a16:creationId xmlns:a16="http://schemas.microsoft.com/office/drawing/2014/main" id="{2A1E7358-44CF-6BFA-830C-C59D867D9719}"/>
+              </a:ext>
+            </a:extLst>
+          </p:cNvPr>
+          <p:cNvPicPr>
+            <a:picLocks noChangeAspect="1"/>
+          </p:cNvPicPr>
+          <p:nvPr/>
+        </p:nvPicPr>
+        <p:blipFill>
+          <a:blip r:embed="rId2">
+            <a:extLst>
+              <a:ext uri="{28A0092B-C50C-407E-A947-70E740481C1C}">
+                <a14:useLocalDpi xmlns:a14="http://schemas.microsoft.com/office/drawing/2010/main" val="0"/>
+              </a:ext>
+            </a:extLst>
+          </a:blip>
+          <a:stretch>
+            <a:fillRect/>
+          </a:stretch>
+        </p:blipFill>
+        <p:spPr>
+          <a:xfrm>
+            <a:off x="1708027" y="1455117"/>
+            <a:ext cx="9011920" cy="2497502"/>
+          </a:xfrm>
+          <a:prstGeom prst="rect">
+            <a:avLst/>
+          </a:prstGeom>
+          <a:ln>
+            <a:solidFill>
+              <a:schemeClr val="tx1"/>
+            </a:solidFill>
+          </a:ln>
+        </p:spPr>
+      </p:pic>
+      <p:pic>
+        <p:nvPicPr>
+          <p:cNvPr id="9" name="Image 8" descr="Une image contenant noir, noir et blanc, blanc, jambes&#10;&#10;Le contenu généré par l’IA peut être incorrect.">
+            <a:extLst>
+              <a:ext uri="{FF2B5EF4-FFF2-40B4-BE49-F238E27FC236}">
+                <a16:creationId xmlns:a16="http://schemas.microsoft.com/office/drawing/2014/main" id="{463AF069-63C0-E2D8-F415-0714C224F80E}"/>
+              </a:ext>
+            </a:extLst>
+          </p:cNvPr>
+          <p:cNvPicPr>
+            <a:picLocks noChangeAspect="1"/>
+          </p:cNvPicPr>
+          <p:nvPr/>
+        </p:nvPicPr>
+        <p:blipFill>
+          <a:blip r:embed="rId3">
+            <a:extLst>
+              <a:ext uri="{28A0092B-C50C-407E-A947-70E740481C1C}">
+                <a14:useLocalDpi xmlns:a14="http://schemas.microsoft.com/office/drawing/2010/main" val="0"/>
+              </a:ext>
+            </a:extLst>
+          </a:blip>
+          <a:stretch>
+            <a:fillRect/>
+          </a:stretch>
+        </p:blipFill>
+        <p:spPr>
+          <a:xfrm>
+            <a:off x="1708026" y="4018211"/>
+            <a:ext cx="9011919" cy="2524572"/>
+          </a:xfrm>
+          <a:prstGeom prst="rect">
+            <a:avLst/>
+          </a:prstGeom>
+          <a:ln>
+            <a:solidFill>
+              <a:schemeClr val="tx1"/>
+            </a:solidFill>
+          </a:ln>
+        </p:spPr>
+      </p:pic>
+    </p:spTree>
+    <p:extLst>
+      <p:ext uri="{BB962C8B-B14F-4D97-AF65-F5344CB8AC3E}">
+        <p14:creationId xmlns:p14="http://schemas.microsoft.com/office/powerpoint/2010/main" val="2274043762"/>
       </p:ext>
     </p:extLst>
   </p:cSld>
